--- a/interface_documents/sample_ppt/1153_kpi.pptx
+++ b/interface_documents/sample_ppt/1153_kpi.pptx
@@ -5,7 +5,7 @@
     <p:sldMasterId id="2147483708" r:id="rId1"/>
   </p:sldMasterIdLst>
   <p:sldIdLst>
-    <p:sldId id="257" r:id="rId2"/>
+    <p:sldId id="259" r:id="rId2"/>
   </p:sldIdLst>
   <p:sldSz cx="9144000" cy="6858000" type="screen4x3"/>
   <p:notesSz cx="6858000" cy="9144000"/>
@@ -288,7 +288,7 @@
           <a:p>
             <a:fld id="{44927B15-27B2-4040-9239-307448B0EC4D}" type="datetimeFigureOut">
               <a:rPr lang="en-US" smtClean="0"/>
-              <a:t>5/5/2020</a:t>
+              <a:t>5/7/2020</a:t>
             </a:fld>
             <a:endParaRPr lang="en-US"/>
           </a:p>
@@ -458,7 +458,7 @@
           <a:p>
             <a:fld id="{44927B15-27B2-4040-9239-307448B0EC4D}" type="datetimeFigureOut">
               <a:rPr lang="en-US" smtClean="0"/>
-              <a:t>5/5/2020</a:t>
+              <a:t>5/7/2020</a:t>
             </a:fld>
             <a:endParaRPr lang="en-US"/>
           </a:p>
@@ -638,7 +638,7 @@
           <a:p>
             <a:fld id="{44927B15-27B2-4040-9239-307448B0EC4D}" type="datetimeFigureOut">
               <a:rPr lang="en-US" smtClean="0"/>
-              <a:t>5/5/2020</a:t>
+              <a:t>5/7/2020</a:t>
             </a:fld>
             <a:endParaRPr lang="en-US"/>
           </a:p>
@@ -808,7 +808,7 @@
           <a:p>
             <a:fld id="{44927B15-27B2-4040-9239-307448B0EC4D}" type="datetimeFigureOut">
               <a:rPr lang="en-US" smtClean="0"/>
-              <a:t>5/5/2020</a:t>
+              <a:t>5/7/2020</a:t>
             </a:fld>
             <a:endParaRPr lang="en-US"/>
           </a:p>
@@ -1054,7 +1054,7 @@
           <a:p>
             <a:fld id="{44927B15-27B2-4040-9239-307448B0EC4D}" type="datetimeFigureOut">
               <a:rPr lang="en-US" smtClean="0"/>
-              <a:t>5/5/2020</a:t>
+              <a:t>5/7/2020</a:t>
             </a:fld>
             <a:endParaRPr lang="en-US"/>
           </a:p>
@@ -1342,7 +1342,7 @@
           <a:p>
             <a:fld id="{44927B15-27B2-4040-9239-307448B0EC4D}" type="datetimeFigureOut">
               <a:rPr lang="en-US" smtClean="0"/>
-              <a:t>5/5/2020</a:t>
+              <a:t>5/7/2020</a:t>
             </a:fld>
             <a:endParaRPr lang="en-US"/>
           </a:p>
@@ -1764,7 +1764,7 @@
           <a:p>
             <a:fld id="{44927B15-27B2-4040-9239-307448B0EC4D}" type="datetimeFigureOut">
               <a:rPr lang="en-US" smtClean="0"/>
-              <a:t>5/5/2020</a:t>
+              <a:t>5/7/2020</a:t>
             </a:fld>
             <a:endParaRPr lang="en-US"/>
           </a:p>
@@ -1882,7 +1882,7 @@
           <a:p>
             <a:fld id="{44927B15-27B2-4040-9239-307448B0EC4D}" type="datetimeFigureOut">
               <a:rPr lang="en-US" smtClean="0"/>
-              <a:t>5/5/2020</a:t>
+              <a:t>5/7/2020</a:t>
             </a:fld>
             <a:endParaRPr lang="en-US"/>
           </a:p>
@@ -1977,7 +1977,7 @@
           <a:p>
             <a:fld id="{44927B15-27B2-4040-9239-307448B0EC4D}" type="datetimeFigureOut">
               <a:rPr lang="en-US" smtClean="0"/>
-              <a:t>5/5/2020</a:t>
+              <a:t>5/7/2020</a:t>
             </a:fld>
             <a:endParaRPr lang="en-US"/>
           </a:p>
@@ -2254,7 +2254,7 @@
           <a:p>
             <a:fld id="{44927B15-27B2-4040-9239-307448B0EC4D}" type="datetimeFigureOut">
               <a:rPr lang="en-US" smtClean="0"/>
-              <a:t>5/5/2020</a:t>
+              <a:t>5/7/2020</a:t>
             </a:fld>
             <a:endParaRPr lang="en-US"/>
           </a:p>
@@ -2507,7 +2507,7 @@
           <a:p>
             <a:fld id="{44927B15-27B2-4040-9239-307448B0EC4D}" type="datetimeFigureOut">
               <a:rPr lang="en-US" smtClean="0"/>
-              <a:t>5/5/2020</a:t>
+              <a:t>5/7/2020</a:t>
             </a:fld>
             <a:endParaRPr lang="en-US"/>
           </a:p>
@@ -2720,7 +2720,7 @@
           <a:p>
             <a:fld id="{44927B15-27B2-4040-9239-307448B0EC4D}" type="datetimeFigureOut">
               <a:rPr lang="en-US" smtClean="0"/>
-              <a:t>5/5/2020</a:t>
+              <a:t>5/7/2020</a:t>
             </a:fld>
             <a:endParaRPr lang="en-US"/>
           </a:p>
@@ -3194,11 +3194,7 @@
             <a:pPr algn="r"/>
             <a:r>
               <a:rPr lang="en-US" sz="3200" b="1" dirty="0" smtClean="0"/>
-              <a:t>- </a:t>
-            </a:r>
-            <a:r>
-              <a:rPr lang="en-US" sz="3200" b="1" dirty="0" smtClean="0"/>
-              <a:t>KPI TRACK</a:t>
+              <a:t>- KPI TRACK</a:t>
             </a:r>
             <a:endParaRPr lang="en-US" sz="3200" b="1" dirty="0"/>
           </a:p>
@@ -3254,8 +3250,8 @@
         </p:nvSpPr>
         <p:spPr>
           <a:xfrm>
-            <a:off x="876300" y="1676400"/>
-            <a:ext cx="990600" cy="1447800"/>
+            <a:off x="838200" y="2514600"/>
+            <a:ext cx="990600" cy="1066800"/>
           </a:xfrm>
           <a:prstGeom prst="rect">
             <a:avLst/>
@@ -3289,7 +3285,14 @@
             <a:pPr algn="ctr"/>
             <a:r>
               <a:rPr lang="en-US" sz="1400" b="1" dirty="0" smtClean="0"/>
-              <a:t>table</a:t>
+              <a:t>Table</a:t>
+            </a:r>
+          </a:p>
+          <a:p>
+            <a:pPr algn="ctr"/>
+            <a:r>
+              <a:rPr lang="en-US" sz="1400" b="1" dirty="0" smtClean="0"/>
+              <a:t>(find duplicate)</a:t>
             </a:r>
             <a:endParaRPr lang="en-US" sz="1400" b="1" dirty="0"/>
           </a:p>
@@ -3450,8 +3453,8 @@
         </p:nvSpPr>
         <p:spPr>
           <a:xfrm>
-            <a:off x="3581400" y="2133600"/>
-            <a:ext cx="990600" cy="1447800"/>
+            <a:off x="3581400" y="2514600"/>
+            <a:ext cx="990600" cy="1066800"/>
           </a:xfrm>
           <a:prstGeom prst="rect">
             <a:avLst/>
@@ -3541,7 +3544,7 @@
         </p:nvCxnSpPr>
         <p:spPr>
           <a:xfrm>
-            <a:off x="1371600" y="1219200"/>
+            <a:off x="1295400" y="1219200"/>
             <a:ext cx="0" cy="381000"/>
           </a:xfrm>
           <a:prstGeom prst="straightConnector1">
@@ -3577,7 +3580,7 @@
         </p:nvCxnSpPr>
         <p:spPr>
           <a:xfrm>
-            <a:off x="1866900" y="2667000"/>
+            <a:off x="1866900" y="3200400"/>
             <a:ext cx="1676400" cy="0"/>
           </a:xfrm>
           <a:prstGeom prst="straightConnector1">
@@ -3608,13 +3611,15 @@
       <p:cxnSp>
         <p:nvCxnSpPr>
           <p:cNvPr id="18" name="Straight Arrow Connector 17"/>
-          <p:cNvCxnSpPr/>
+          <p:cNvCxnSpPr>
+            <a:stCxn id="28" idx="2"/>
+          </p:cNvCxnSpPr>
           <p:nvPr/>
         </p:nvCxnSpPr>
         <p:spPr>
           <a:xfrm>
-            <a:off x="1371600" y="3733800"/>
-            <a:ext cx="0" cy="2743200"/>
+            <a:off x="1333500" y="2209801"/>
+            <a:ext cx="0" cy="304799"/>
           </a:xfrm>
           <a:prstGeom prst="straightConnector1">
             <a:avLst/>
@@ -3983,10 +3988,52 @@
           </a:p>
         </p:txBody>
       </p:sp>
+      <p:sp>
+        <p:nvSpPr>
+          <p:cNvPr id="28" name="Rectangle 27"/>
+          <p:cNvSpPr/>
+          <p:nvPr/>
+        </p:nvSpPr>
+        <p:spPr>
+          <a:xfrm>
+            <a:off x="838200" y="1637003"/>
+            <a:ext cx="990599" cy="572798"/>
+          </a:xfrm>
+          <a:prstGeom prst="rect">
+            <a:avLst/>
+          </a:prstGeom>
+        </p:spPr>
+        <p:style>
+          <a:lnRef idx="3">
+            <a:schemeClr val="lt1"/>
+          </a:lnRef>
+          <a:fillRef idx="1">
+            <a:schemeClr val="accent3"/>
+          </a:fillRef>
+          <a:effectRef idx="1">
+            <a:schemeClr val="accent3"/>
+          </a:effectRef>
+          <a:fontRef idx="minor">
+            <a:schemeClr val="lt1"/>
+          </a:fontRef>
+        </p:style>
+        <p:txBody>
+          <a:bodyPr rtlCol="0" anchor="ctr"/>
+          <a:lstStyle/>
+          <a:p>
+            <a:pPr algn="ctr"/>
+            <a:r>
+              <a:rPr lang="en-US" sz="1400" b="1" dirty="0" smtClean="0"/>
+              <a:t>Data Filter</a:t>
+            </a:r>
+            <a:endParaRPr lang="en-US" sz="1400" b="1" dirty="0"/>
+          </a:p>
+        </p:txBody>
+      </p:sp>
     </p:spTree>
     <p:extLst>
       <p:ext uri="{BB962C8B-B14F-4D97-AF65-F5344CB8AC3E}">
-        <p14:creationId xmlns:p14="http://schemas.microsoft.com/office/powerpoint/2010/main" val="4162707704"/>
+        <p14:creationId xmlns:p14="http://schemas.microsoft.com/office/powerpoint/2010/main" val="537551689"/>
       </p:ext>
     </p:extLst>
   </p:cSld>
